--- a/materials/ch12/ch12-注册公众号并使用.pptx
+++ b/materials/ch12/ch12-注册公众号并使用.pptx
@@ -8,14 +8,6 @@
     <p:sldId id="256" r:id="rId2"/>
     <p:sldId id="275" r:id="rId3"/>
     <p:sldId id="277" r:id="rId4"/>
-    <p:sldId id="278" r:id="rId5"/>
-    <p:sldId id="276" r:id="rId6"/>
-    <p:sldId id="279" r:id="rId7"/>
-    <p:sldId id="280" r:id="rId8"/>
-    <p:sldId id="274" r:id="rId9"/>
-    <p:sldId id="281" r:id="rId10"/>
-    <p:sldId id="259" r:id="rId11"/>
-    <p:sldId id="258" r:id="rId12"/>
   </p:sldIdLst>
   <p:sldSz cx="12192000" cy="6858000"/>
   <p:notesSz cx="6858000" cy="9144000"/>
@@ -548,7 +540,7 @@
           <a:p>
             <a:fld id="{10955001-8E90-43AD-87AF-166875BDDBE4}" type="datetimeFigureOut">
               <a:rPr lang="zh-CN" altLang="en-US" smtClean="0"/>
-              <a:t>2020/8/18</a:t>
+              <a:t>2020/8/31</a:t>
             </a:fld>
             <a:endParaRPr lang="zh-CN" altLang="en-US"/>
           </a:p>
@@ -780,7 +772,7 @@
           <a:p>
             <a:fld id="{10955001-8E90-43AD-87AF-166875BDDBE4}" type="datetimeFigureOut">
               <a:rPr lang="zh-CN" altLang="en-US" smtClean="0"/>
-              <a:t>2020/8/18</a:t>
+              <a:t>2020/8/31</a:t>
             </a:fld>
             <a:endParaRPr lang="zh-CN" altLang="en-US"/>
           </a:p>
@@ -1278,7 +1270,7 @@
           <a:p>
             <a:fld id="{10955001-8E90-43AD-87AF-166875BDDBE4}" type="datetimeFigureOut">
               <a:rPr lang="zh-CN" altLang="en-US" smtClean="0"/>
-              <a:t>2020/8/18</a:t>
+              <a:t>2020/8/31</a:t>
             </a:fld>
             <a:endParaRPr lang="zh-CN" altLang="en-US"/>
           </a:p>
@@ -1707,7 +1699,7 @@
           <a:p>
             <a:fld id="{10955001-8E90-43AD-87AF-166875BDDBE4}" type="datetimeFigureOut">
               <a:rPr lang="zh-CN" altLang="en-US" smtClean="0"/>
-              <a:t>2020/8/18</a:t>
+              <a:t>2020/8/31</a:t>
             </a:fld>
             <a:endParaRPr lang="zh-CN" altLang="en-US"/>
           </a:p>
@@ -2224,7 +2216,7 @@
           <a:p>
             <a:fld id="{10955001-8E90-43AD-87AF-166875BDDBE4}" type="datetimeFigureOut">
               <a:rPr lang="zh-CN" altLang="en-US" smtClean="0"/>
-              <a:t>2020/8/18</a:t>
+              <a:t>2020/8/31</a:t>
             </a:fld>
             <a:endParaRPr lang="zh-CN" altLang="en-US"/>
           </a:p>
@@ -2684,7 +2676,7 @@
           <a:p>
             <a:fld id="{10955001-8E90-43AD-87AF-166875BDDBE4}" type="datetimeFigureOut">
               <a:rPr lang="zh-CN" altLang="en-US" smtClean="0"/>
-              <a:t>2020/8/18</a:t>
+              <a:t>2020/8/31</a:t>
             </a:fld>
             <a:endParaRPr lang="zh-CN" altLang="en-US"/>
           </a:p>
@@ -2996,7 +2988,7 @@
           <a:p>
             <a:fld id="{10955001-8E90-43AD-87AF-166875BDDBE4}" type="datetimeFigureOut">
               <a:rPr lang="zh-CN" altLang="en-US" smtClean="0"/>
-              <a:t>2020/8/18</a:t>
+              <a:t>2020/8/31</a:t>
             </a:fld>
             <a:endParaRPr lang="zh-CN" altLang="en-US"/>
           </a:p>
@@ -3604,120 +3596,6 @@
 </p:sld>
 </file>
 
-<file path=ppt/slides/slide10.xml><?xml version="1.0" encoding="utf-8"?>
-<p:sld xmlns:a="http://schemas.openxmlformats.org/drawingml/2006/main" xmlns:r="http://schemas.openxmlformats.org/officeDocument/2006/relationships" xmlns:p="http://schemas.openxmlformats.org/presentationml/2006/main">
-  <p:cSld>
-    <p:spTree>
-      <p:nvGrpSpPr>
-        <p:cNvPr id="1" name=""/>
-        <p:cNvGrpSpPr/>
-        <p:nvPr/>
-      </p:nvGrpSpPr>
-      <p:grpSpPr>
-        <a:xfrm>
-          <a:off x="0" y="0"/>
-          <a:ext cx="0" cy="0"/>
-          <a:chOff x="0" y="0"/>
-          <a:chExt cx="0" cy="0"/>
-        </a:xfrm>
-      </p:grpSpPr>
-      <p:sp>
-        <p:nvSpPr>
-          <p:cNvPr id="2" name="标题 1">
-            <a:extLst>
-              <a:ext uri="{FF2B5EF4-FFF2-40B4-BE49-F238E27FC236}">
-                <a16:creationId xmlns:a16="http://schemas.microsoft.com/office/drawing/2014/main" id="{14E9355E-652F-436C-B3B0-4D81DA18977B}"/>
-              </a:ext>
-            </a:extLst>
-          </p:cNvPr>
-          <p:cNvSpPr>
-            <a:spLocks noGrp="1"/>
-          </p:cNvSpPr>
-          <p:nvPr>
-            <p:ph type="title"/>
-          </p:nvPr>
-        </p:nvSpPr>
-        <p:spPr/>
-        <p:txBody>
-          <a:bodyPr/>
-          <a:lstStyle/>
-          <a:p>
-            <a:r>
-              <a:rPr lang="zh-CN" altLang="en-US"/>
-              <a:t>封装成库</a:t>
-            </a:r>
-            <a:endParaRPr lang="zh-CN" altLang="en-US" dirty="0"/>
-          </a:p>
-        </p:txBody>
-      </p:sp>
-      <p:sp>
-        <p:nvSpPr>
-          <p:cNvPr id="4" name="内容占位符 3">
-            <a:extLst>
-              <a:ext uri="{FF2B5EF4-FFF2-40B4-BE49-F238E27FC236}">
-                <a16:creationId xmlns:a16="http://schemas.microsoft.com/office/drawing/2014/main" id="{2AFF7099-E011-4259-89C2-9564E0FDE216}"/>
-              </a:ext>
-            </a:extLst>
-          </p:cNvPr>
-          <p:cNvSpPr>
-            <a:spLocks noGrp="1"/>
-          </p:cNvSpPr>
-          <p:nvPr>
-            <p:ph idx="1"/>
-          </p:nvPr>
-        </p:nvSpPr>
-        <p:spPr/>
-        <p:txBody>
-          <a:bodyPr/>
-          <a:lstStyle/>
-          <a:p>
-            <a:endParaRPr lang="zh-CN" altLang="en-US"/>
-          </a:p>
-        </p:txBody>
-      </p:sp>
-    </p:spTree>
-    <p:extLst>
-      <p:ext uri="{BB962C8B-B14F-4D97-AF65-F5344CB8AC3E}">
-        <p14:creationId xmlns:p14="http://schemas.microsoft.com/office/powerpoint/2010/main" val="3193686447"/>
-      </p:ext>
-    </p:extLst>
-  </p:cSld>
-  <p:clrMapOvr>
-    <a:masterClrMapping/>
-  </p:clrMapOvr>
-</p:sld>
-</file>
-
-<file path=ppt/slides/slide11.xml><?xml version="1.0" encoding="utf-8"?>
-<p:sld xmlns:a="http://schemas.openxmlformats.org/drawingml/2006/main" xmlns:r="http://schemas.openxmlformats.org/officeDocument/2006/relationships" xmlns:p="http://schemas.openxmlformats.org/presentationml/2006/main">
-  <p:cSld>
-    <p:spTree>
-      <p:nvGrpSpPr>
-        <p:cNvPr id="1" name=""/>
-        <p:cNvGrpSpPr/>
-        <p:nvPr/>
-      </p:nvGrpSpPr>
-      <p:grpSpPr>
-        <a:xfrm>
-          <a:off x="0" y="0"/>
-          <a:ext cx="0" cy="0"/>
-          <a:chOff x="0" y="0"/>
-          <a:chExt cx="0" cy="0"/>
-        </a:xfrm>
-      </p:grpSpPr>
-    </p:spTree>
-    <p:extLst>
-      <p:ext uri="{BB962C8B-B14F-4D97-AF65-F5344CB8AC3E}">
-        <p14:creationId xmlns:p14="http://schemas.microsoft.com/office/powerpoint/2010/main" val="365098710"/>
-      </p:ext>
-    </p:extLst>
-  </p:cSld>
-  <p:clrMapOvr>
-    <a:masterClrMapping/>
-  </p:clrMapOvr>
-</p:sld>
-</file>
-
 <file path=ppt/slides/slide2.xml><?xml version="1.0" encoding="utf-8"?>
 <p:sld xmlns:a="http://schemas.openxmlformats.org/drawingml/2006/main" xmlns:r="http://schemas.openxmlformats.org/officeDocument/2006/relationships" xmlns:p="http://schemas.openxmlformats.org/presentationml/2006/main">
   <p:cSld>
@@ -3757,18 +3635,9 @@
           <a:lstStyle/>
           <a:p>
             <a:r>
-              <a:rPr lang="en-US" altLang="zh-CN"/>
-              <a:t>appid</a:t>
-            </a:r>
-            <a:r>
               <a:rPr lang="zh-CN" altLang="en-US"/>
-              <a:t>和</a:t>
-            </a:r>
-            <a:r>
-              <a:rPr lang="en-US" altLang="zh-CN"/>
-              <a:t>appsecert</a:t>
-            </a:r>
-            <a:endParaRPr lang="zh-CN" altLang="en-US"/>
+              <a:t>公众号注册</a:t>
+            </a:r>
           </a:p>
         </p:txBody>
       </p:sp>
@@ -3793,7 +3662,25 @@
           <a:bodyPr/>
           <a:lstStyle/>
           <a:p>
-            <a:endParaRPr lang="zh-CN" altLang="en-US"/>
+            <a:r>
+              <a:rPr lang="zh-CN" altLang="en-US"/>
+              <a:t>公众号注册的流程和小程序基本一致。</a:t>
+            </a:r>
+            <a:endParaRPr lang="en-US" altLang="zh-CN"/>
+          </a:p>
+          <a:p>
+            <a:r>
+              <a:rPr lang="zh-CN" altLang="en-US"/>
+              <a:t>只是类型选择是个人订阅号。</a:t>
+            </a:r>
+            <a:endParaRPr lang="en-US" altLang="zh-CN"/>
+          </a:p>
+          <a:p>
+            <a:r>
+              <a:rPr lang="zh-CN" altLang="en-US"/>
+              <a:t>注意使用的邮箱不能和小程序重复。</a:t>
+            </a:r>
+            <a:endParaRPr lang="en-US" altLang="zh-CN"/>
           </a:p>
         </p:txBody>
       </p:sp>
@@ -3850,13 +3737,8 @@
           <a:p>
             <a:r>
               <a:rPr lang="zh-CN" altLang="en-US"/>
-              <a:t>获取</a:t>
-            </a:r>
-            <a:r>
-              <a:rPr lang="en-US" altLang="zh-CN"/>
-              <a:t>access_token</a:t>
-            </a:r>
-            <a:endParaRPr lang="zh-CN" altLang="en-US"/>
+              <a:t>后台管理</a:t>
+            </a:r>
           </a:p>
         </p:txBody>
       </p:sp>
@@ -3881,7 +3763,24 @@
           <a:bodyPr/>
           <a:lstStyle/>
           <a:p>
-            <a:endParaRPr lang="zh-CN" altLang="en-US"/>
+            <a:r>
+              <a:rPr lang="zh-CN" altLang="en-US"/>
+              <a:t>公众号的后台管理提供了基本的运营和内容管理的功能。</a:t>
+            </a:r>
+            <a:endParaRPr lang="en-US" altLang="zh-CN"/>
+          </a:p>
+          <a:p>
+            <a:r>
+              <a:rPr lang="zh-CN" altLang="en-US"/>
+              <a:t>对于仅仅做内容运营的组织机构或个人来说，能够满足基本的需求。</a:t>
+            </a:r>
+            <a:endParaRPr lang="en-US" altLang="zh-CN"/>
+          </a:p>
+          <a:p>
+            <a:r>
+              <a:rPr lang="zh-CN" altLang="en-US"/>
+              <a:t>而一些更高级的功能则需要进行开发，这也是后续公众号开发课程的重点内容。</a:t>
+            </a:r>
           </a:p>
         </p:txBody>
       </p:sp>
@@ -3889,516 +3788,6 @@
     <p:extLst>
       <p:ext uri="{BB962C8B-B14F-4D97-AF65-F5344CB8AC3E}">
         <p14:creationId xmlns:p14="http://schemas.microsoft.com/office/powerpoint/2010/main" val="3739701447"/>
-      </p:ext>
-    </p:extLst>
-  </p:cSld>
-  <p:clrMapOvr>
-    <a:masterClrMapping/>
-  </p:clrMapOvr>
-</p:sld>
-</file>
-
-<file path=ppt/slides/slide4.xml><?xml version="1.0" encoding="utf-8"?>
-<p:sld xmlns:a="http://schemas.openxmlformats.org/drawingml/2006/main" xmlns:r="http://schemas.openxmlformats.org/officeDocument/2006/relationships" xmlns:p="http://schemas.openxmlformats.org/presentationml/2006/main">
-  <p:cSld>
-    <p:spTree>
-      <p:nvGrpSpPr>
-        <p:cNvPr id="1" name=""/>
-        <p:cNvGrpSpPr/>
-        <p:nvPr/>
-      </p:nvGrpSpPr>
-      <p:grpSpPr>
-        <a:xfrm>
-          <a:off x="0" y="0"/>
-          <a:ext cx="0" cy="0"/>
-          <a:chOff x="0" y="0"/>
-          <a:chExt cx="0" cy="0"/>
-        </a:xfrm>
-      </p:grpSpPr>
-      <p:sp>
-        <p:nvSpPr>
-          <p:cNvPr id="2" name="标题 1">
-            <a:extLst>
-              <a:ext uri="{FF2B5EF4-FFF2-40B4-BE49-F238E27FC236}">
-                <a16:creationId xmlns:a16="http://schemas.microsoft.com/office/drawing/2014/main" id="{A120AA4C-488A-4AAD-94EF-B1988083690E}"/>
-              </a:ext>
-            </a:extLst>
-          </p:cNvPr>
-          <p:cNvSpPr>
-            <a:spLocks noGrp="1"/>
-          </p:cNvSpPr>
-          <p:nvPr>
-            <p:ph type="title"/>
-          </p:nvPr>
-        </p:nvSpPr>
-        <p:spPr/>
-        <p:txBody>
-          <a:bodyPr>
-            <a:normAutofit/>
-          </a:bodyPr>
-          <a:lstStyle/>
-          <a:p>
-            <a:r>
-              <a:rPr lang="en-US" altLang="zh-CN"/>
-              <a:t>IP</a:t>
-            </a:r>
-            <a:r>
-              <a:rPr lang="zh-CN" altLang="en-US"/>
-              <a:t>白名单</a:t>
-            </a:r>
-          </a:p>
-        </p:txBody>
-      </p:sp>
-      <p:sp>
-        <p:nvSpPr>
-          <p:cNvPr id="3" name="内容占位符 2">
-            <a:extLst>
-              <a:ext uri="{FF2B5EF4-FFF2-40B4-BE49-F238E27FC236}">
-                <a16:creationId xmlns:a16="http://schemas.microsoft.com/office/drawing/2014/main" id="{97085026-6C03-498C-998E-FB0B7B216CCD}"/>
-              </a:ext>
-            </a:extLst>
-          </p:cNvPr>
-          <p:cNvSpPr>
-            <a:spLocks noGrp="1"/>
-          </p:cNvSpPr>
-          <p:nvPr>
-            <p:ph idx="1"/>
-          </p:nvPr>
-        </p:nvSpPr>
-        <p:spPr/>
-        <p:txBody>
-          <a:bodyPr/>
-          <a:lstStyle/>
-          <a:p>
-            <a:endParaRPr lang="zh-CN" altLang="en-US"/>
-          </a:p>
-        </p:txBody>
-      </p:sp>
-    </p:spTree>
-    <p:extLst>
-      <p:ext uri="{BB962C8B-B14F-4D97-AF65-F5344CB8AC3E}">
-        <p14:creationId xmlns:p14="http://schemas.microsoft.com/office/powerpoint/2010/main" val="3093706499"/>
-      </p:ext>
-    </p:extLst>
-  </p:cSld>
-  <p:clrMapOvr>
-    <a:masterClrMapping/>
-  </p:clrMapOvr>
-</p:sld>
-</file>
-
-<file path=ppt/slides/slide5.xml><?xml version="1.0" encoding="utf-8"?>
-<p:sld xmlns:a="http://schemas.openxmlformats.org/drawingml/2006/main" xmlns:r="http://schemas.openxmlformats.org/officeDocument/2006/relationships" xmlns:p="http://schemas.openxmlformats.org/presentationml/2006/main">
-  <p:cSld>
-    <p:spTree>
-      <p:nvGrpSpPr>
-        <p:cNvPr id="1" name=""/>
-        <p:cNvGrpSpPr/>
-        <p:nvPr/>
-      </p:nvGrpSpPr>
-      <p:grpSpPr>
-        <a:xfrm>
-          <a:off x="0" y="0"/>
-          <a:ext cx="0" cy="0"/>
-          <a:chOff x="0" y="0"/>
-          <a:chExt cx="0" cy="0"/>
-        </a:xfrm>
-      </p:grpSpPr>
-      <p:sp>
-        <p:nvSpPr>
-          <p:cNvPr id="2" name="标题 1">
-            <a:extLst>
-              <a:ext uri="{FF2B5EF4-FFF2-40B4-BE49-F238E27FC236}">
-                <a16:creationId xmlns:a16="http://schemas.microsoft.com/office/drawing/2014/main" id="{8EC316A7-C113-4E3B-B63F-E5F95F0FDEE4}"/>
-              </a:ext>
-            </a:extLst>
-          </p:cNvPr>
-          <p:cNvSpPr>
-            <a:spLocks noGrp="1"/>
-          </p:cNvSpPr>
-          <p:nvPr>
-            <p:ph type="title"/>
-          </p:nvPr>
-        </p:nvSpPr>
-        <p:spPr/>
-        <p:txBody>
-          <a:bodyPr/>
-          <a:lstStyle/>
-          <a:p>
-            <a:r>
-              <a:rPr lang="zh-CN" altLang="en-US"/>
-              <a:t>注册公众号</a:t>
-            </a:r>
-          </a:p>
-        </p:txBody>
-      </p:sp>
-      <p:sp>
-        <p:nvSpPr>
-          <p:cNvPr id="3" name="内容占位符 2">
-            <a:extLst>
-              <a:ext uri="{FF2B5EF4-FFF2-40B4-BE49-F238E27FC236}">
-                <a16:creationId xmlns:a16="http://schemas.microsoft.com/office/drawing/2014/main" id="{985709F1-043C-4EAF-9103-29708F2D9735}"/>
-              </a:ext>
-            </a:extLst>
-          </p:cNvPr>
-          <p:cNvSpPr>
-            <a:spLocks noGrp="1"/>
-          </p:cNvSpPr>
-          <p:nvPr>
-            <p:ph idx="1"/>
-          </p:nvPr>
-        </p:nvSpPr>
-        <p:spPr/>
-        <p:txBody>
-          <a:bodyPr/>
-          <a:lstStyle/>
-          <a:p>
-            <a:endParaRPr lang="zh-CN" altLang="en-US"/>
-          </a:p>
-        </p:txBody>
-      </p:sp>
-    </p:spTree>
-    <p:extLst>
-      <p:ext uri="{BB962C8B-B14F-4D97-AF65-F5344CB8AC3E}">
-        <p14:creationId xmlns:p14="http://schemas.microsoft.com/office/powerpoint/2010/main" val="648880728"/>
-      </p:ext>
-    </p:extLst>
-  </p:cSld>
-  <p:clrMapOvr>
-    <a:masterClrMapping/>
-  </p:clrMapOvr>
-</p:sld>
-</file>
-
-<file path=ppt/slides/slide6.xml><?xml version="1.0" encoding="utf-8"?>
-<p:sld xmlns:a="http://schemas.openxmlformats.org/drawingml/2006/main" xmlns:r="http://schemas.openxmlformats.org/officeDocument/2006/relationships" xmlns:p="http://schemas.openxmlformats.org/presentationml/2006/main">
-  <p:cSld>
-    <p:spTree>
-      <p:nvGrpSpPr>
-        <p:cNvPr id="1" name=""/>
-        <p:cNvGrpSpPr/>
-        <p:nvPr/>
-      </p:nvGrpSpPr>
-      <p:grpSpPr>
-        <a:xfrm>
-          <a:off x="0" y="0"/>
-          <a:ext cx="0" cy="0"/>
-          <a:chOff x="0" y="0"/>
-          <a:chExt cx="0" cy="0"/>
-        </a:xfrm>
-      </p:grpSpPr>
-      <p:sp>
-        <p:nvSpPr>
-          <p:cNvPr id="2" name="标题 1">
-            <a:extLst>
-              <a:ext uri="{FF2B5EF4-FFF2-40B4-BE49-F238E27FC236}">
-                <a16:creationId xmlns:a16="http://schemas.microsoft.com/office/drawing/2014/main" id="{A120AA4C-488A-4AAD-94EF-B1988083690E}"/>
-              </a:ext>
-            </a:extLst>
-          </p:cNvPr>
-          <p:cNvSpPr>
-            <a:spLocks noGrp="1"/>
-          </p:cNvSpPr>
-          <p:nvPr>
-            <p:ph type="title"/>
-          </p:nvPr>
-        </p:nvSpPr>
-        <p:spPr/>
-        <p:txBody>
-          <a:bodyPr>
-            <a:normAutofit/>
-          </a:bodyPr>
-          <a:lstStyle/>
-          <a:p>
-            <a:r>
-              <a:rPr lang="zh-CN" altLang="en-US"/>
-              <a:t>创建菜单</a:t>
-            </a:r>
-          </a:p>
-        </p:txBody>
-      </p:sp>
-      <p:sp>
-        <p:nvSpPr>
-          <p:cNvPr id="3" name="内容占位符 2">
-            <a:extLst>
-              <a:ext uri="{FF2B5EF4-FFF2-40B4-BE49-F238E27FC236}">
-                <a16:creationId xmlns:a16="http://schemas.microsoft.com/office/drawing/2014/main" id="{97085026-6C03-498C-998E-FB0B7B216CCD}"/>
-              </a:ext>
-            </a:extLst>
-          </p:cNvPr>
-          <p:cNvSpPr>
-            <a:spLocks noGrp="1"/>
-          </p:cNvSpPr>
-          <p:nvPr>
-            <p:ph idx="1"/>
-          </p:nvPr>
-        </p:nvSpPr>
-        <p:spPr/>
-        <p:txBody>
-          <a:bodyPr/>
-          <a:lstStyle/>
-          <a:p>
-            <a:endParaRPr lang="zh-CN" altLang="en-US"/>
-          </a:p>
-        </p:txBody>
-      </p:sp>
-    </p:spTree>
-    <p:extLst>
-      <p:ext uri="{BB962C8B-B14F-4D97-AF65-F5344CB8AC3E}">
-        <p14:creationId xmlns:p14="http://schemas.microsoft.com/office/powerpoint/2010/main" val="2884748437"/>
-      </p:ext>
-    </p:extLst>
-  </p:cSld>
-  <p:clrMapOvr>
-    <a:masterClrMapping/>
-  </p:clrMapOvr>
-</p:sld>
-</file>
-
-<file path=ppt/slides/slide7.xml><?xml version="1.0" encoding="utf-8"?>
-<p:sld xmlns:a="http://schemas.openxmlformats.org/drawingml/2006/main" xmlns:r="http://schemas.openxmlformats.org/officeDocument/2006/relationships" xmlns:p="http://schemas.openxmlformats.org/presentationml/2006/main">
-  <p:cSld>
-    <p:spTree>
-      <p:nvGrpSpPr>
-        <p:cNvPr id="1" name=""/>
-        <p:cNvGrpSpPr/>
-        <p:nvPr/>
-      </p:nvGrpSpPr>
-      <p:grpSpPr>
-        <a:xfrm>
-          <a:off x="0" y="0"/>
-          <a:ext cx="0" cy="0"/>
-          <a:chOff x="0" y="0"/>
-          <a:chExt cx="0" cy="0"/>
-        </a:xfrm>
-      </p:grpSpPr>
-      <p:sp>
-        <p:nvSpPr>
-          <p:cNvPr id="2" name="标题 1">
-            <a:extLst>
-              <a:ext uri="{FF2B5EF4-FFF2-40B4-BE49-F238E27FC236}">
-                <a16:creationId xmlns:a16="http://schemas.microsoft.com/office/drawing/2014/main" id="{A120AA4C-488A-4AAD-94EF-B1988083690E}"/>
-              </a:ext>
-            </a:extLst>
-          </p:cNvPr>
-          <p:cNvSpPr>
-            <a:spLocks noGrp="1"/>
-          </p:cNvSpPr>
-          <p:nvPr>
-            <p:ph type="title"/>
-          </p:nvPr>
-        </p:nvSpPr>
-        <p:spPr/>
-        <p:txBody>
-          <a:bodyPr>
-            <a:normAutofit/>
-          </a:bodyPr>
-          <a:lstStyle/>
-          <a:p>
-            <a:r>
-              <a:rPr lang="zh-CN" altLang="en-US"/>
-              <a:t>用户标签</a:t>
-            </a:r>
-          </a:p>
-        </p:txBody>
-      </p:sp>
-      <p:sp>
-        <p:nvSpPr>
-          <p:cNvPr id="3" name="内容占位符 2">
-            <a:extLst>
-              <a:ext uri="{FF2B5EF4-FFF2-40B4-BE49-F238E27FC236}">
-                <a16:creationId xmlns:a16="http://schemas.microsoft.com/office/drawing/2014/main" id="{97085026-6C03-498C-998E-FB0B7B216CCD}"/>
-              </a:ext>
-            </a:extLst>
-          </p:cNvPr>
-          <p:cNvSpPr>
-            <a:spLocks noGrp="1"/>
-          </p:cNvSpPr>
-          <p:nvPr>
-            <p:ph idx="1"/>
-          </p:nvPr>
-        </p:nvSpPr>
-        <p:spPr/>
-        <p:txBody>
-          <a:bodyPr/>
-          <a:lstStyle/>
-          <a:p>
-            <a:endParaRPr lang="zh-CN" altLang="en-US"/>
-          </a:p>
-        </p:txBody>
-      </p:sp>
-    </p:spTree>
-    <p:extLst>
-      <p:ext uri="{BB962C8B-B14F-4D97-AF65-F5344CB8AC3E}">
-        <p14:creationId xmlns:p14="http://schemas.microsoft.com/office/powerpoint/2010/main" val="869764102"/>
-      </p:ext>
-    </p:extLst>
-  </p:cSld>
-  <p:clrMapOvr>
-    <a:masterClrMapping/>
-  </p:clrMapOvr>
-</p:sld>
-</file>
-
-<file path=ppt/slides/slide8.xml><?xml version="1.0" encoding="utf-8"?>
-<p:sld xmlns:a="http://schemas.openxmlformats.org/drawingml/2006/main" xmlns:r="http://schemas.openxmlformats.org/officeDocument/2006/relationships" xmlns:p="http://schemas.openxmlformats.org/presentationml/2006/main">
-  <p:cSld>
-    <p:spTree>
-      <p:nvGrpSpPr>
-        <p:cNvPr id="1" name=""/>
-        <p:cNvGrpSpPr/>
-        <p:nvPr/>
-      </p:nvGrpSpPr>
-      <p:grpSpPr>
-        <a:xfrm>
-          <a:off x="0" y="0"/>
-          <a:ext cx="0" cy="0"/>
-          <a:chOff x="0" y="0"/>
-          <a:chExt cx="0" cy="0"/>
-        </a:xfrm>
-      </p:grpSpPr>
-      <p:sp>
-        <p:nvSpPr>
-          <p:cNvPr id="2" name="标题 1">
-            <a:extLst>
-              <a:ext uri="{FF2B5EF4-FFF2-40B4-BE49-F238E27FC236}">
-                <a16:creationId xmlns:a16="http://schemas.microsoft.com/office/drawing/2014/main" id="{F8012090-F476-430F-B53E-B70DDD5A2638}"/>
-              </a:ext>
-            </a:extLst>
-          </p:cNvPr>
-          <p:cNvSpPr>
-            <a:spLocks noGrp="1"/>
-          </p:cNvSpPr>
-          <p:nvPr>
-            <p:ph type="title"/>
-          </p:nvPr>
-        </p:nvSpPr>
-        <p:spPr/>
-        <p:txBody>
-          <a:bodyPr/>
-          <a:lstStyle/>
-          <a:p>
-            <a:r>
-              <a:rPr lang="zh-CN" altLang="en-US"/>
-              <a:t>给用户打标签</a:t>
-            </a:r>
-          </a:p>
-        </p:txBody>
-      </p:sp>
-      <p:sp>
-        <p:nvSpPr>
-          <p:cNvPr id="3" name="内容占位符 2">
-            <a:extLst>
-              <a:ext uri="{FF2B5EF4-FFF2-40B4-BE49-F238E27FC236}">
-                <a16:creationId xmlns:a16="http://schemas.microsoft.com/office/drawing/2014/main" id="{735F0261-95EF-4A77-903C-0C589150A92E}"/>
-              </a:ext>
-            </a:extLst>
-          </p:cNvPr>
-          <p:cNvSpPr>
-            <a:spLocks noGrp="1"/>
-          </p:cNvSpPr>
-          <p:nvPr>
-            <p:ph idx="1"/>
-          </p:nvPr>
-        </p:nvSpPr>
-        <p:spPr/>
-        <p:txBody>
-          <a:bodyPr/>
-          <a:lstStyle/>
-          <a:p>
-            <a:endParaRPr lang="zh-CN" altLang="en-US"/>
-          </a:p>
-        </p:txBody>
-      </p:sp>
-    </p:spTree>
-    <p:extLst>
-      <p:ext uri="{BB962C8B-B14F-4D97-AF65-F5344CB8AC3E}">
-        <p14:creationId xmlns:p14="http://schemas.microsoft.com/office/powerpoint/2010/main" val="4103007565"/>
-      </p:ext>
-    </p:extLst>
-  </p:cSld>
-  <p:clrMapOvr>
-    <a:masterClrMapping/>
-  </p:clrMapOvr>
-</p:sld>
-</file>
-
-<file path=ppt/slides/slide9.xml><?xml version="1.0" encoding="utf-8"?>
-<p:sld xmlns:a="http://schemas.openxmlformats.org/drawingml/2006/main" xmlns:r="http://schemas.openxmlformats.org/officeDocument/2006/relationships" xmlns:p="http://schemas.openxmlformats.org/presentationml/2006/main">
-  <p:cSld>
-    <p:spTree>
-      <p:nvGrpSpPr>
-        <p:cNvPr id="1" name=""/>
-        <p:cNvGrpSpPr/>
-        <p:nvPr/>
-      </p:nvGrpSpPr>
-      <p:grpSpPr>
-        <a:xfrm>
-          <a:off x="0" y="0"/>
-          <a:ext cx="0" cy="0"/>
-          <a:chOff x="0" y="0"/>
-          <a:chExt cx="0" cy="0"/>
-        </a:xfrm>
-      </p:grpSpPr>
-      <p:sp>
-        <p:nvSpPr>
-          <p:cNvPr id="2" name="标题 1">
-            <a:extLst>
-              <a:ext uri="{FF2B5EF4-FFF2-40B4-BE49-F238E27FC236}">
-                <a16:creationId xmlns:a16="http://schemas.microsoft.com/office/drawing/2014/main" id="{A120AA4C-488A-4AAD-94EF-B1988083690E}"/>
-              </a:ext>
-            </a:extLst>
-          </p:cNvPr>
-          <p:cNvSpPr>
-            <a:spLocks noGrp="1"/>
-          </p:cNvSpPr>
-          <p:nvPr>
-            <p:ph type="title"/>
-          </p:nvPr>
-        </p:nvSpPr>
-        <p:spPr/>
-        <p:txBody>
-          <a:bodyPr>
-            <a:normAutofit/>
-          </a:bodyPr>
-          <a:lstStyle/>
-          <a:p>
-            <a:r>
-              <a:rPr lang="zh-CN" altLang="en-US"/>
-              <a:t>个性化菜单</a:t>
-            </a:r>
-          </a:p>
-        </p:txBody>
-      </p:sp>
-      <p:sp>
-        <p:nvSpPr>
-          <p:cNvPr id="3" name="内容占位符 2">
-            <a:extLst>
-              <a:ext uri="{FF2B5EF4-FFF2-40B4-BE49-F238E27FC236}">
-                <a16:creationId xmlns:a16="http://schemas.microsoft.com/office/drawing/2014/main" id="{97085026-6C03-498C-998E-FB0B7B216CCD}"/>
-              </a:ext>
-            </a:extLst>
-          </p:cNvPr>
-          <p:cNvSpPr>
-            <a:spLocks noGrp="1"/>
-          </p:cNvSpPr>
-          <p:nvPr>
-            <p:ph idx="1"/>
-          </p:nvPr>
-        </p:nvSpPr>
-        <p:spPr/>
-        <p:txBody>
-          <a:bodyPr/>
-          <a:lstStyle/>
-          <a:p>
-            <a:endParaRPr lang="zh-CN" altLang="en-US"/>
-          </a:p>
-        </p:txBody>
-      </p:sp>
-    </p:spTree>
-    <p:extLst>
-      <p:ext uri="{BB962C8B-B14F-4D97-AF65-F5344CB8AC3E}">
-        <p14:creationId xmlns:p14="http://schemas.microsoft.com/office/powerpoint/2010/main" val="3658593862"/>
       </p:ext>
     </p:extLst>
   </p:cSld>
